--- a/How ISIS Uses Twitter.pptx
+++ b/How ISIS Uses Twitter.pptx
@@ -5336,7 +5336,9 @@
           </a:xfrm>
         </p:spPr>
         <p:txBody>
-          <a:bodyPr/>
+          <a:bodyPr>
+            <a:normAutofit/>
+          </a:bodyPr>
           <a:lstStyle/>
           <a:p>
             <a:r>
@@ -5359,6 +5361,17 @@
               <a:rPr lang="en-US" dirty="0"/>
               <a:t>.</a:t>
             </a:r>
+          </a:p>
+          <a:p>
+            <a:r>
+              <a:rPr lang="en-US" dirty="0"/>
+              <a:t>Sentenced to over 11 years </a:t>
+            </a:r>
+            <a:r>
+              <a:rPr lang="en-US"/>
+              <a:t>in prison</a:t>
+            </a:r>
+            <a:endParaRPr lang="en-US" dirty="0"/>
           </a:p>
           <a:p>
             <a:r>
